--- a/RWD_Design＿傅意茹.pptx
+++ b/RWD_Design＿傅意茹.pptx
@@ -8,6 +8,8 @@
     <p:sldId id="256" r:id="rId2"/>
     <p:sldId id="257" r:id="rId3"/>
     <p:sldId id="258" r:id="rId4"/>
+    <p:sldId id="260" r:id="rId5"/>
+    <p:sldId id="259" r:id="rId6"/>
   </p:sldIdLst>
   <p:sldSz cx="12188825" cy="6858000"/>
   <p:notesSz cx="6858000" cy="9144000"/>
@@ -290,7 +292,7 @@
           <a:p>
             <a:fld id="{6356ECBB-26AB-9549-BB3F-BF7CCD07AA52}" type="datetimeFigureOut">
               <a:rPr kumimoji="1" lang="zh-TW" altLang="en-US" smtClean="0"/>
-              <a:t>2016/5/20</a:t>
+              <a:t>2016/5/22</a:t>
             </a:fld>
             <a:endParaRPr kumimoji="1" lang="zh-TW" altLang="en-US"/>
           </a:p>
@@ -460,7 +462,7 @@
           <a:p>
             <a:fld id="{6356ECBB-26AB-9549-BB3F-BF7CCD07AA52}" type="datetimeFigureOut">
               <a:rPr kumimoji="1" lang="zh-TW" altLang="en-US" smtClean="0"/>
-              <a:t>2016/5/20</a:t>
+              <a:t>2016/5/22</a:t>
             </a:fld>
             <a:endParaRPr kumimoji="1" lang="zh-TW" altLang="en-US"/>
           </a:p>
@@ -640,7 +642,7 @@
           <a:p>
             <a:fld id="{6356ECBB-26AB-9549-BB3F-BF7CCD07AA52}" type="datetimeFigureOut">
               <a:rPr kumimoji="1" lang="zh-TW" altLang="en-US" smtClean="0"/>
-              <a:t>2016/5/20</a:t>
+              <a:t>2016/5/22</a:t>
             </a:fld>
             <a:endParaRPr kumimoji="1" lang="zh-TW" altLang="en-US"/>
           </a:p>
@@ -810,7 +812,7 @@
           <a:p>
             <a:fld id="{6356ECBB-26AB-9549-BB3F-BF7CCD07AA52}" type="datetimeFigureOut">
               <a:rPr kumimoji="1" lang="zh-TW" altLang="en-US" smtClean="0"/>
-              <a:t>2016/5/20</a:t>
+              <a:t>2016/5/22</a:t>
             </a:fld>
             <a:endParaRPr kumimoji="1" lang="zh-TW" altLang="en-US"/>
           </a:p>
@@ -1056,7 +1058,7 @@
           <a:p>
             <a:fld id="{6356ECBB-26AB-9549-BB3F-BF7CCD07AA52}" type="datetimeFigureOut">
               <a:rPr kumimoji="1" lang="zh-TW" altLang="en-US" smtClean="0"/>
-              <a:t>2016/5/20</a:t>
+              <a:t>2016/5/22</a:t>
             </a:fld>
             <a:endParaRPr kumimoji="1" lang="zh-TW" altLang="en-US"/>
           </a:p>
@@ -1344,7 +1346,7 @@
           <a:p>
             <a:fld id="{6356ECBB-26AB-9549-BB3F-BF7CCD07AA52}" type="datetimeFigureOut">
               <a:rPr kumimoji="1" lang="zh-TW" altLang="en-US" smtClean="0"/>
-              <a:t>2016/5/20</a:t>
+              <a:t>2016/5/22</a:t>
             </a:fld>
             <a:endParaRPr kumimoji="1" lang="zh-TW" altLang="en-US"/>
           </a:p>
@@ -1771,7 +1773,7 @@
           <a:p>
             <a:fld id="{6356ECBB-26AB-9549-BB3F-BF7CCD07AA52}" type="datetimeFigureOut">
               <a:rPr kumimoji="1" lang="zh-TW" altLang="en-US" smtClean="0"/>
-              <a:t>2016/5/20</a:t>
+              <a:t>2016/5/22</a:t>
             </a:fld>
             <a:endParaRPr kumimoji="1" lang="zh-TW" altLang="en-US"/>
           </a:p>
@@ -1889,7 +1891,7 @@
           <a:p>
             <a:fld id="{6356ECBB-26AB-9549-BB3F-BF7CCD07AA52}" type="datetimeFigureOut">
               <a:rPr kumimoji="1" lang="zh-TW" altLang="en-US" smtClean="0"/>
-              <a:t>2016/5/20</a:t>
+              <a:t>2016/5/22</a:t>
             </a:fld>
             <a:endParaRPr kumimoji="1" lang="zh-TW" altLang="en-US"/>
           </a:p>
@@ -1984,7 +1986,7 @@
           <a:p>
             <a:fld id="{6356ECBB-26AB-9549-BB3F-BF7CCD07AA52}" type="datetimeFigureOut">
               <a:rPr kumimoji="1" lang="zh-TW" altLang="en-US" smtClean="0"/>
-              <a:t>2016/5/20</a:t>
+              <a:t>2016/5/22</a:t>
             </a:fld>
             <a:endParaRPr kumimoji="1" lang="zh-TW" altLang="en-US"/>
           </a:p>
@@ -2261,7 +2263,7 @@
           <a:p>
             <a:fld id="{6356ECBB-26AB-9549-BB3F-BF7CCD07AA52}" type="datetimeFigureOut">
               <a:rPr kumimoji="1" lang="zh-TW" altLang="en-US" smtClean="0"/>
-              <a:t>2016/5/20</a:t>
+              <a:t>2016/5/22</a:t>
             </a:fld>
             <a:endParaRPr kumimoji="1" lang="zh-TW" altLang="en-US"/>
           </a:p>
@@ -2514,7 +2516,7 @@
           <a:p>
             <a:fld id="{6356ECBB-26AB-9549-BB3F-BF7CCD07AA52}" type="datetimeFigureOut">
               <a:rPr kumimoji="1" lang="zh-TW" altLang="en-US" smtClean="0"/>
-              <a:t>2016/5/20</a:t>
+              <a:t>2016/5/22</a:t>
             </a:fld>
             <a:endParaRPr kumimoji="1" lang="zh-TW" altLang="en-US"/>
           </a:p>
@@ -2733,7 +2735,7 @@
           <a:p>
             <a:fld id="{6356ECBB-26AB-9549-BB3F-BF7CCD07AA52}" type="datetimeFigureOut">
               <a:rPr kumimoji="1" lang="zh-TW" altLang="en-US" smtClean="0"/>
-              <a:t>2016/5/20</a:t>
+              <a:t>2016/5/22</a:t>
             </a:fld>
             <a:endParaRPr kumimoji="1" lang="zh-TW" altLang="en-US"/>
           </a:p>
@@ -3419,7 +3421,7 @@
       </p:pic>
       <p:pic>
         <p:nvPicPr>
-          <p:cNvPr id="5" name="圖片 4" descr="M_RWD_Design_傅意茹.jpg"/>
+          <p:cNvPr id="5" name="圖片 4"/>
           <p:cNvPicPr>
             <a:picLocks noChangeAspect="1"/>
           </p:cNvPicPr>
@@ -3439,8 +3441,8 @@
         </p:blipFill>
         <p:spPr>
           <a:xfrm>
-            <a:off x="5539467" y="0"/>
-            <a:ext cx="3429000" cy="6858000"/>
+            <a:off x="5540137" y="0"/>
+            <a:ext cx="3427660" cy="6858000"/>
           </a:xfrm>
           <a:prstGeom prst="rect">
             <a:avLst/>
@@ -3449,7 +3451,7 @@
       </p:pic>
       <p:pic>
         <p:nvPicPr>
-          <p:cNvPr id="6" name="圖片 5" descr="S_RWD_Design_傅意茹.jpg"/>
+          <p:cNvPr id="6" name="圖片 5"/>
           <p:cNvPicPr>
             <a:picLocks noChangeAspect="1"/>
           </p:cNvPicPr>
@@ -3469,8 +3471,8 @@
         </p:blipFill>
         <p:spPr>
           <a:xfrm>
-            <a:off x="9203029" y="0"/>
-            <a:ext cx="2985796" cy="6858000"/>
+            <a:off x="9204195" y="0"/>
+            <a:ext cx="2983463" cy="6858000"/>
           </a:xfrm>
           <a:prstGeom prst="rect">
             <a:avLst/>
@@ -3539,7 +3541,7 @@
       </p:pic>
       <p:pic>
         <p:nvPicPr>
-          <p:cNvPr id="3" name="圖片 2" descr="S_RWD_Design_傅意茹.jpg"/>
+          <p:cNvPr id="3" name="圖片 2"/>
           <p:cNvPicPr>
             <a:picLocks noChangeAspect="1"/>
           </p:cNvPicPr>
@@ -3559,8 +3561,8 @@
         </p:blipFill>
         <p:spPr>
           <a:xfrm>
-            <a:off x="5815632" y="769893"/>
-            <a:ext cx="2315413" cy="5318215"/>
+            <a:off x="5816536" y="769893"/>
+            <a:ext cx="2313604" cy="5318215"/>
           </a:xfrm>
           <a:prstGeom prst="rect">
             <a:avLst/>
@@ -3575,7 +3577,7 @@
         </p:nvSpPr>
         <p:spPr>
           <a:xfrm>
-            <a:off x="9130699" y="2534576"/>
+            <a:off x="8654476" y="2534576"/>
             <a:ext cx="2805734" cy="923330"/>
           </a:xfrm>
           <a:prstGeom prst="rect">
@@ -3618,7 +3620,7 @@
         </p:nvSpPr>
         <p:spPr>
           <a:xfrm>
-            <a:off x="9130698" y="1095268"/>
+            <a:off x="8654475" y="1095268"/>
             <a:ext cx="1849485" cy="461665"/>
           </a:xfrm>
           <a:prstGeom prst="rect">
@@ -3640,18 +3642,7 @@
                 <a:ea typeface="Microsoft JhengHei" charset="-120"/>
                 <a:cs typeface="Microsoft JhengHei" charset="-120"/>
               </a:rPr>
-              <a:t>0</a:t>
-            </a:r>
-            <a:r>
-              <a:rPr lang="en-US" altLang="zh-TW" sz="2400" dirty="0" smtClean="0">
-                <a:solidFill>
-                  <a:srgbClr val="101010"/>
-                </a:solidFill>
-                <a:latin typeface="Microsoft JhengHei" charset="-120"/>
-                <a:ea typeface="Microsoft JhengHei" charset="-120"/>
-                <a:cs typeface="Microsoft JhengHei" charset="-120"/>
-              </a:rPr>
-              <a:t>1</a:t>
+              <a:t>01</a:t>
             </a:r>
             <a:r>
               <a:rPr lang="zh-TW" altLang="en-US" sz="2400" dirty="0" smtClean="0">
@@ -3662,27 +3653,8 @@
                 <a:ea typeface="Microsoft JhengHei" charset="-120"/>
                 <a:cs typeface="Microsoft JhengHei" charset="-120"/>
               </a:rPr>
-              <a:t> </a:t>
-            </a:r>
-            <a:r>
-              <a:rPr lang="zh-TW" altLang="en-US" sz="2400" dirty="0" smtClean="0">
-                <a:solidFill>
-                  <a:srgbClr val="101010"/>
-                </a:solidFill>
-                <a:latin typeface="Microsoft JhengHei" charset="-120"/>
-                <a:ea typeface="Microsoft JhengHei" charset="-120"/>
-                <a:cs typeface="Microsoft JhengHei" charset="-120"/>
-              </a:rPr>
-              <a:t>縮減內容</a:t>
-            </a:r>
-            <a:endParaRPr lang="zh-TW" altLang="en-US" sz="2400" dirty="0" smtClean="0">
-              <a:solidFill>
-                <a:srgbClr val="101010"/>
-              </a:solidFill>
-              <a:latin typeface="Microsoft JhengHei" charset="-120"/>
-              <a:ea typeface="Microsoft JhengHei" charset="-120"/>
-              <a:cs typeface="Microsoft JhengHei" charset="-120"/>
-            </a:endParaRPr>
+              <a:t> 縮減內容</a:t>
+            </a:r>
           </a:p>
         </p:txBody>
       </p:sp>
@@ -3694,7 +3666,7 @@
         </p:nvSpPr>
         <p:spPr>
           <a:xfrm>
-            <a:off x="9130698" y="1972363"/>
+            <a:off x="8654475" y="1972363"/>
             <a:ext cx="986167" cy="400110"/>
           </a:xfrm>
           <a:prstGeom prst="rect">
@@ -3741,7 +3713,7 @@
         </p:nvSpPr>
         <p:spPr>
           <a:xfrm>
-            <a:off x="9130699" y="4445345"/>
+            <a:off x="8654476" y="4445345"/>
             <a:ext cx="2805734" cy="1200329"/>
           </a:xfrm>
           <a:prstGeom prst="rect">
@@ -3784,7 +3756,7 @@
         </p:nvSpPr>
         <p:spPr>
           <a:xfrm>
-            <a:off x="9130698" y="3883132"/>
+            <a:off x="8654475" y="3883132"/>
             <a:ext cx="986167" cy="400110"/>
           </a:xfrm>
           <a:prstGeom prst="rect">
@@ -4150,6 +4122,1011 @@
       <p:bldP spid="7" grpId="0"/>
       <p:bldP spid="8" grpId="0"/>
     </p:bldLst>
+  </p:timing>
+</p:sld>
+</file>
+
+<file path=ppt/slides/slide4.xml><?xml version="1.0" encoding="utf-8"?>
+<p:sld xmlns:a="http://schemas.openxmlformats.org/drawingml/2006/main" xmlns:r="http://schemas.openxmlformats.org/officeDocument/2006/relationships" xmlns:p="http://schemas.openxmlformats.org/presentationml/2006/main">
+  <p:cSld>
+    <p:spTree>
+      <p:nvGrpSpPr>
+        <p:cNvPr id="1" name=""/>
+        <p:cNvGrpSpPr/>
+        <p:nvPr/>
+      </p:nvGrpSpPr>
+      <p:grpSpPr>
+        <a:xfrm>
+          <a:off x="0" y="0"/>
+          <a:ext cx="0" cy="0"/>
+          <a:chOff x="0" y="0"/>
+          <a:chExt cx="0" cy="0"/>
+        </a:xfrm>
+      </p:grpSpPr>
+      <p:pic>
+        <p:nvPicPr>
+          <p:cNvPr id="4" name="圖片 3"/>
+          <p:cNvPicPr>
+            <a:picLocks noChangeAspect="1"/>
+          </p:cNvPicPr>
+          <p:nvPr/>
+        </p:nvPicPr>
+        <p:blipFill>
+          <a:blip r:embed="rId2">
+            <a:extLst>
+              <a:ext uri="{28A0092B-C50C-407E-A947-70E740481C1C}">
+                <a14:useLocalDpi xmlns:a14="http://schemas.microsoft.com/office/drawing/2010/main" val="0"/>
+              </a:ext>
+            </a:extLst>
+          </a:blip>
+          <a:stretch>
+            <a:fillRect/>
+          </a:stretch>
+        </p:blipFill>
+        <p:spPr>
+          <a:xfrm>
+            <a:off x="8424920" y="108227"/>
+            <a:ext cx="2889298" cy="6641546"/>
+          </a:xfrm>
+          <a:prstGeom prst="rect">
+            <a:avLst/>
+          </a:prstGeom>
+        </p:spPr>
+      </p:pic>
+      <p:grpSp>
+        <p:nvGrpSpPr>
+          <p:cNvPr id="12" name="群組 11"/>
+          <p:cNvGrpSpPr/>
+          <p:nvPr/>
+        </p:nvGrpSpPr>
+        <p:grpSpPr>
+          <a:xfrm>
+            <a:off x="1309071" y="1153797"/>
+            <a:ext cx="3388368" cy="4550406"/>
+            <a:chOff x="4512764" y="864435"/>
+            <a:chExt cx="3388368" cy="4550406"/>
+          </a:xfrm>
+        </p:grpSpPr>
+        <p:sp>
+          <p:nvSpPr>
+            <p:cNvPr id="6" name="矩形 5"/>
+            <p:cNvSpPr/>
+            <p:nvPr/>
+          </p:nvSpPr>
+          <p:spPr>
+            <a:xfrm>
+              <a:off x="4512764" y="864435"/>
+              <a:ext cx="3388368" cy="461665"/>
+            </a:xfrm>
+            <a:prstGeom prst="rect">
+              <a:avLst/>
+            </a:prstGeom>
+          </p:spPr>
+          <p:txBody>
+            <a:bodyPr wrap="none">
+              <a:spAutoFit/>
+            </a:bodyPr>
+            <a:lstStyle/>
+            <a:p>
+              <a:r>
+                <a:rPr lang="en-US" altLang="zh-TW" sz="2400" dirty="0" smtClean="0">
+                  <a:solidFill>
+                    <a:srgbClr val="101010"/>
+                  </a:solidFill>
+                  <a:latin typeface="Microsoft JhengHei" charset="-120"/>
+                  <a:ea typeface="Microsoft JhengHei" charset="-120"/>
+                  <a:cs typeface="Microsoft JhengHei" charset="-120"/>
+                </a:rPr>
+                <a:t>0</a:t>
+              </a:r>
+              <a:r>
+                <a:rPr lang="en-US" altLang="zh-TW" sz="2400" dirty="0" smtClean="0">
+                  <a:solidFill>
+                    <a:srgbClr val="101010"/>
+                  </a:solidFill>
+                  <a:latin typeface="Microsoft JhengHei" charset="-120"/>
+                  <a:ea typeface="Microsoft JhengHei" charset="-120"/>
+                  <a:cs typeface="Microsoft JhengHei" charset="-120"/>
+                </a:rPr>
+                <a:t>2</a:t>
+              </a:r>
+              <a:r>
+                <a:rPr lang="zh-TW" altLang="en-US" sz="2400" dirty="0" smtClean="0">
+                  <a:solidFill>
+                    <a:srgbClr val="101010"/>
+                  </a:solidFill>
+                  <a:latin typeface="Microsoft JhengHei" charset="-120"/>
+                  <a:ea typeface="Microsoft JhengHei" charset="-120"/>
+                  <a:cs typeface="Microsoft JhengHei" charset="-120"/>
+                </a:rPr>
+                <a:t> </a:t>
+              </a:r>
+              <a:r>
+                <a:rPr lang="zh-TW" altLang="en-US" sz="2400" dirty="0" smtClean="0">
+                  <a:solidFill>
+                    <a:srgbClr val="101010"/>
+                  </a:solidFill>
+                  <a:latin typeface="Microsoft JhengHei" charset="-120"/>
+                  <a:ea typeface="Microsoft JhengHei" charset="-120"/>
+                  <a:cs typeface="Microsoft JhengHei" charset="-120"/>
+                </a:rPr>
+                <a:t>放大並改變按鈕位置</a:t>
+              </a:r>
+              <a:endParaRPr lang="zh-TW" altLang="en-US" sz="2400" dirty="0" smtClean="0">
+                <a:solidFill>
+                  <a:srgbClr val="101010"/>
+                </a:solidFill>
+                <a:latin typeface="Microsoft JhengHei" charset="-120"/>
+                <a:ea typeface="Microsoft JhengHei" charset="-120"/>
+                <a:cs typeface="Microsoft JhengHei" charset="-120"/>
+              </a:endParaRPr>
+            </a:p>
+          </p:txBody>
+        </p:sp>
+        <p:grpSp>
+          <p:nvGrpSpPr>
+            <p:cNvPr id="10" name="群組 9"/>
+            <p:cNvGrpSpPr/>
+            <p:nvPr/>
+          </p:nvGrpSpPr>
+          <p:grpSpPr>
+            <a:xfrm>
+              <a:off x="4512764" y="1741530"/>
+              <a:ext cx="2805735" cy="1208544"/>
+              <a:chOff x="6576404" y="1972363"/>
+              <a:chExt cx="2805735" cy="1208544"/>
+            </a:xfrm>
+          </p:grpSpPr>
+          <p:sp>
+            <p:nvSpPr>
+              <p:cNvPr id="5" name="矩形 4"/>
+              <p:cNvSpPr/>
+              <p:nvPr/>
+            </p:nvSpPr>
+            <p:spPr>
+              <a:xfrm>
+                <a:off x="6576405" y="2534576"/>
+                <a:ext cx="2805734" cy="646331"/>
+              </a:xfrm>
+              <a:prstGeom prst="rect">
+                <a:avLst/>
+              </a:prstGeom>
+            </p:spPr>
+            <p:txBody>
+              <a:bodyPr wrap="square">
+                <a:spAutoFit/>
+              </a:bodyPr>
+              <a:lstStyle/>
+              <a:p>
+                <a:r>
+                  <a:rPr lang="zh-TW" altLang="en-US" dirty="0" smtClean="0">
+                    <a:solidFill>
+                      <a:srgbClr val="101010"/>
+                    </a:solidFill>
+                    <a:latin typeface="Microsoft JhengHei" charset="-120"/>
+                    <a:ea typeface="Microsoft JhengHei" charset="-120"/>
+                    <a:cs typeface="Microsoft JhengHei" charset="-120"/>
+                  </a:rPr>
+                  <a:t>將社群網站連結的按鈕移到畫面中央並放大。</a:t>
+                </a:r>
+                <a:endParaRPr lang="zh-TW" altLang="en-US" dirty="0">
+                  <a:solidFill>
+                    <a:srgbClr val="101010"/>
+                  </a:solidFill>
+                  <a:latin typeface="Microsoft JhengHei" charset="-120"/>
+                  <a:ea typeface="Microsoft JhengHei" charset="-120"/>
+                  <a:cs typeface="Microsoft JhengHei" charset="-120"/>
+                </a:endParaRPr>
+              </a:p>
+            </p:txBody>
+          </p:sp>
+          <p:sp>
+            <p:nvSpPr>
+              <p:cNvPr id="7" name="矩形 6"/>
+              <p:cNvSpPr/>
+              <p:nvPr/>
+            </p:nvSpPr>
+            <p:spPr>
+              <a:xfrm>
+                <a:off x="6576404" y="1972363"/>
+                <a:ext cx="986167" cy="400110"/>
+              </a:xfrm>
+              <a:prstGeom prst="rect">
+                <a:avLst/>
+              </a:prstGeom>
+            </p:spPr>
+            <p:txBody>
+              <a:bodyPr wrap="none">
+                <a:spAutoFit/>
+              </a:bodyPr>
+              <a:lstStyle/>
+              <a:p>
+                <a:pPr marL="285750" indent="-285750">
+                  <a:buFont typeface="Arial" charset="0"/>
+                  <a:buChar char="•"/>
+                </a:pPr>
+                <a:r>
+                  <a:rPr lang="zh-TW" altLang="en-US" sz="2000" dirty="0" smtClean="0">
+                    <a:solidFill>
+                      <a:srgbClr val="101010"/>
+                    </a:solidFill>
+                    <a:latin typeface="Microsoft JhengHei" charset="-120"/>
+                    <a:ea typeface="Microsoft JhengHei" charset="-120"/>
+                    <a:cs typeface="Microsoft JhengHei" charset="-120"/>
+                  </a:rPr>
+                  <a:t>設計</a:t>
+                </a:r>
+                <a:endParaRPr lang="zh-TW" altLang="en-US" sz="2000" dirty="0">
+                  <a:solidFill>
+                    <a:srgbClr val="101010"/>
+                  </a:solidFill>
+                  <a:latin typeface="Microsoft JhengHei" charset="-120"/>
+                  <a:ea typeface="Microsoft JhengHei" charset="-120"/>
+                  <a:cs typeface="Microsoft JhengHei" charset="-120"/>
+                </a:endParaRPr>
+              </a:p>
+            </p:txBody>
+          </p:sp>
+        </p:grpSp>
+        <p:grpSp>
+          <p:nvGrpSpPr>
+            <p:cNvPr id="11" name="群組 10"/>
+            <p:cNvGrpSpPr/>
+            <p:nvPr/>
+          </p:nvGrpSpPr>
+          <p:grpSpPr>
+            <a:xfrm>
+              <a:off x="4512764" y="3652299"/>
+              <a:ext cx="2805735" cy="1762542"/>
+              <a:chOff x="6576404" y="3883132"/>
+              <a:chExt cx="2805735" cy="1762542"/>
+            </a:xfrm>
+          </p:grpSpPr>
+          <p:sp>
+            <p:nvSpPr>
+              <p:cNvPr id="8" name="矩形 7"/>
+              <p:cNvSpPr/>
+              <p:nvPr/>
+            </p:nvSpPr>
+            <p:spPr>
+              <a:xfrm>
+                <a:off x="6576405" y="4445345"/>
+                <a:ext cx="2805734" cy="1200329"/>
+              </a:xfrm>
+              <a:prstGeom prst="rect">
+                <a:avLst/>
+              </a:prstGeom>
+            </p:spPr>
+            <p:txBody>
+              <a:bodyPr wrap="square">
+                <a:spAutoFit/>
+              </a:bodyPr>
+              <a:lstStyle/>
+              <a:p>
+                <a:r>
+                  <a:rPr lang="zh-TW" altLang="en-US" dirty="0" smtClean="0">
+                    <a:solidFill>
+                      <a:srgbClr val="101010"/>
+                    </a:solidFill>
+                    <a:latin typeface="Microsoft JhengHei" charset="-120"/>
+                    <a:ea typeface="Microsoft JhengHei" charset="-120"/>
+                    <a:cs typeface="Microsoft JhengHei" charset="-120"/>
+                  </a:rPr>
+                  <a:t>藉由將常用的按鈕移到中央的動作，可以方便使用者點選按鈕，並省去尋找按鈕的時間。</a:t>
+                </a:r>
+                <a:endParaRPr lang="en-US" altLang="zh-TW" dirty="0" smtClean="0">
+                  <a:solidFill>
+                    <a:srgbClr val="101010"/>
+                  </a:solidFill>
+                  <a:latin typeface="Microsoft JhengHei" charset="-120"/>
+                  <a:ea typeface="Microsoft JhengHei" charset="-120"/>
+                  <a:cs typeface="Microsoft JhengHei" charset="-120"/>
+                </a:endParaRPr>
+              </a:p>
+            </p:txBody>
+          </p:sp>
+          <p:sp>
+            <p:nvSpPr>
+              <p:cNvPr id="9" name="矩形 8"/>
+              <p:cNvSpPr/>
+              <p:nvPr/>
+            </p:nvSpPr>
+            <p:spPr>
+              <a:xfrm>
+                <a:off x="6576404" y="3883132"/>
+                <a:ext cx="986167" cy="400110"/>
+              </a:xfrm>
+              <a:prstGeom prst="rect">
+                <a:avLst/>
+              </a:prstGeom>
+            </p:spPr>
+            <p:txBody>
+              <a:bodyPr wrap="none">
+                <a:spAutoFit/>
+              </a:bodyPr>
+              <a:lstStyle/>
+              <a:p>
+                <a:pPr marL="285750" indent="-285750">
+                  <a:buFont typeface="Arial" charset="0"/>
+                  <a:buChar char="•"/>
+                </a:pPr>
+                <a:r>
+                  <a:rPr lang="zh-TW" altLang="en-US" sz="2000" dirty="0" smtClean="0">
+                    <a:solidFill>
+                      <a:srgbClr val="101010"/>
+                    </a:solidFill>
+                    <a:latin typeface="Microsoft JhengHei" charset="-120"/>
+                    <a:ea typeface="Microsoft JhengHei" charset="-120"/>
+                    <a:cs typeface="Microsoft JhengHei" charset="-120"/>
+                  </a:rPr>
+                  <a:t>目的</a:t>
+                </a:r>
+                <a:endParaRPr lang="zh-TW" altLang="en-US" sz="2000" dirty="0">
+                  <a:solidFill>
+                    <a:srgbClr val="101010"/>
+                  </a:solidFill>
+                  <a:latin typeface="Microsoft JhengHei" charset="-120"/>
+                  <a:ea typeface="Microsoft JhengHei" charset="-120"/>
+                  <a:cs typeface="Microsoft JhengHei" charset="-120"/>
+                </a:endParaRPr>
+              </a:p>
+            </p:txBody>
+          </p:sp>
+        </p:grpSp>
+      </p:grpSp>
+      <p:pic>
+        <p:nvPicPr>
+          <p:cNvPr id="13" name="圖片 12"/>
+          <p:cNvPicPr>
+            <a:picLocks noChangeAspect="1"/>
+          </p:cNvPicPr>
+          <p:nvPr/>
+        </p:nvPicPr>
+        <p:blipFill>
+          <a:blip r:embed="rId3">
+            <a:extLst>
+              <a:ext uri="{28A0092B-C50C-407E-A947-70E740481C1C}">
+                <a14:useLocalDpi xmlns:a14="http://schemas.microsoft.com/office/drawing/2010/main" val="0"/>
+              </a:ext>
+            </a:extLst>
+          </a:blip>
+          <a:stretch>
+            <a:fillRect/>
+          </a:stretch>
+        </p:blipFill>
+        <p:spPr>
+          <a:xfrm>
+            <a:off x="5410258" y="1154907"/>
+            <a:ext cx="2273205" cy="4548187"/>
+          </a:xfrm>
+          <a:prstGeom prst="rect">
+            <a:avLst/>
+          </a:prstGeom>
+        </p:spPr>
+      </p:pic>
+      <p:sp>
+        <p:nvSpPr>
+          <p:cNvPr id="14" name="橢圓 13"/>
+          <p:cNvSpPr/>
+          <p:nvPr/>
+        </p:nvSpPr>
+        <p:spPr>
+          <a:xfrm>
+            <a:off x="8209213" y="1594072"/>
+            <a:ext cx="3407782" cy="892435"/>
+          </a:xfrm>
+          <a:prstGeom prst="ellipse">
+            <a:avLst/>
+          </a:prstGeom>
+          <a:noFill/>
+          <a:ln>
+            <a:solidFill>
+              <a:srgbClr val="FF0000"/>
+            </a:solidFill>
+          </a:ln>
+        </p:spPr>
+        <p:style>
+          <a:lnRef idx="1">
+            <a:schemeClr val="accent1"/>
+          </a:lnRef>
+          <a:fillRef idx="3">
+            <a:schemeClr val="accent1"/>
+          </a:fillRef>
+          <a:effectRef idx="2">
+            <a:schemeClr val="accent1"/>
+          </a:effectRef>
+          <a:fontRef idx="minor">
+            <a:schemeClr val="lt1"/>
+          </a:fontRef>
+        </p:style>
+        <p:txBody>
+          <a:bodyPr rtlCol="0" anchor="ctr"/>
+          <a:lstStyle/>
+          <a:p>
+            <a:pPr algn="ctr"/>
+            <a:endParaRPr kumimoji="1" lang="zh-TW" altLang="en-US" dirty="0"/>
+          </a:p>
+        </p:txBody>
+      </p:sp>
+      <p:sp>
+        <p:nvSpPr>
+          <p:cNvPr id="15" name="橢圓 14"/>
+          <p:cNvSpPr/>
+          <p:nvPr/>
+        </p:nvSpPr>
+        <p:spPr>
+          <a:xfrm>
+            <a:off x="7004176" y="1145922"/>
+            <a:ext cx="875176" cy="448150"/>
+          </a:xfrm>
+          <a:prstGeom prst="ellipse">
+            <a:avLst/>
+          </a:prstGeom>
+          <a:noFill/>
+          <a:ln>
+            <a:solidFill>
+              <a:srgbClr val="FF0000"/>
+            </a:solidFill>
+          </a:ln>
+        </p:spPr>
+        <p:style>
+          <a:lnRef idx="1">
+            <a:schemeClr val="accent1"/>
+          </a:lnRef>
+          <a:fillRef idx="3">
+            <a:schemeClr val="accent1"/>
+          </a:fillRef>
+          <a:effectRef idx="2">
+            <a:schemeClr val="accent1"/>
+          </a:effectRef>
+          <a:fontRef idx="minor">
+            <a:schemeClr val="lt1"/>
+          </a:fontRef>
+        </p:style>
+        <p:txBody>
+          <a:bodyPr rtlCol="0" anchor="ctr"/>
+          <a:lstStyle/>
+          <a:p>
+            <a:pPr algn="ctr"/>
+            <a:endParaRPr kumimoji="1" lang="zh-TW" altLang="en-US" dirty="0"/>
+          </a:p>
+        </p:txBody>
+      </p:sp>
+    </p:spTree>
+    <p:extLst>
+      <p:ext uri="{BB962C8B-B14F-4D97-AF65-F5344CB8AC3E}">
+        <p14:creationId xmlns:p14="http://schemas.microsoft.com/office/powerpoint/2010/main" val="1189345450"/>
+      </p:ext>
+    </p:extLst>
+  </p:cSld>
+  <p:clrMapOvr>
+    <a:masterClrMapping/>
+  </p:clrMapOvr>
+  <p:timing>
+    <p:tnLst>
+      <p:par>
+        <p:cTn xmlns:p14="http://schemas.microsoft.com/office/powerpoint/2010/main" id="1" dur="indefinite" restart="never" nodeType="tmRoot"/>
+      </p:par>
+    </p:tnLst>
+  </p:timing>
+</p:sld>
+</file>
+
+<file path=ppt/slides/slide5.xml><?xml version="1.0" encoding="utf-8"?>
+<p:sld xmlns:a="http://schemas.openxmlformats.org/drawingml/2006/main" xmlns:r="http://schemas.openxmlformats.org/officeDocument/2006/relationships" xmlns:p="http://schemas.openxmlformats.org/presentationml/2006/main">
+  <p:cSld>
+    <p:spTree>
+      <p:nvGrpSpPr>
+        <p:cNvPr id="1" name=""/>
+        <p:cNvGrpSpPr/>
+        <p:nvPr/>
+      </p:nvGrpSpPr>
+      <p:grpSpPr>
+        <a:xfrm>
+          <a:off x="0" y="0"/>
+          <a:ext cx="0" cy="0"/>
+          <a:chOff x="0" y="0"/>
+          <a:chExt cx="0" cy="0"/>
+        </a:xfrm>
+      </p:grpSpPr>
+      <p:grpSp>
+        <p:nvGrpSpPr>
+          <p:cNvPr id="16" name="群組 15"/>
+          <p:cNvGrpSpPr/>
+          <p:nvPr/>
+        </p:nvGrpSpPr>
+        <p:grpSpPr>
+          <a:xfrm>
+            <a:off x="185550" y="649517"/>
+            <a:ext cx="5191273" cy="5558966"/>
+            <a:chOff x="257705" y="1313157"/>
+            <a:chExt cx="4042747" cy="4329090"/>
+          </a:xfrm>
+        </p:grpSpPr>
+        <p:pic>
+          <p:nvPicPr>
+            <p:cNvPr id="4" name="圖片 3" descr="L_RWD_Design_傅意茹.pdf"/>
+            <p:cNvPicPr>
+              <a:picLocks noChangeAspect="1"/>
+            </p:cNvPicPr>
+            <p:nvPr/>
+          </p:nvPicPr>
+          <p:blipFill>
+            <a:blip r:embed="rId2">
+              <a:extLst>
+                <a:ext uri="{28A0092B-C50C-407E-A947-70E740481C1C}">
+                  <a14:useLocalDpi xmlns:a14="http://schemas.microsoft.com/office/drawing/2010/main" val="0"/>
+                </a:ext>
+              </a:extLst>
+            </a:blip>
+            <a:stretch>
+              <a:fillRect/>
+            </a:stretch>
+          </p:blipFill>
+          <p:spPr>
+            <a:xfrm>
+              <a:off x="549720" y="1313157"/>
+              <a:ext cx="3356968" cy="4329090"/>
+            </a:xfrm>
+            <a:prstGeom prst="rect">
+              <a:avLst/>
+            </a:prstGeom>
+          </p:spPr>
+        </p:pic>
+        <p:sp>
+          <p:nvSpPr>
+            <p:cNvPr id="8" name="橢圓 7"/>
+            <p:cNvSpPr/>
+            <p:nvPr/>
+          </p:nvSpPr>
+          <p:spPr>
+            <a:xfrm>
+              <a:off x="257705" y="4033524"/>
+              <a:ext cx="4042747" cy="1608723"/>
+            </a:xfrm>
+            <a:prstGeom prst="ellipse">
+              <a:avLst/>
+            </a:prstGeom>
+            <a:noFill/>
+            <a:ln>
+              <a:solidFill>
+                <a:srgbClr val="FF0000"/>
+              </a:solidFill>
+            </a:ln>
+          </p:spPr>
+          <p:style>
+            <a:lnRef idx="1">
+              <a:schemeClr val="accent1"/>
+            </a:lnRef>
+            <a:fillRef idx="3">
+              <a:schemeClr val="accent1"/>
+            </a:fillRef>
+            <a:effectRef idx="2">
+              <a:schemeClr val="accent1"/>
+            </a:effectRef>
+            <a:fontRef idx="minor">
+              <a:schemeClr val="lt1"/>
+            </a:fontRef>
+          </p:style>
+          <p:txBody>
+            <a:bodyPr rtlCol="0" anchor="ctr"/>
+            <a:lstStyle/>
+            <a:p>
+              <a:pPr algn="ctr"/>
+              <a:endParaRPr kumimoji="1" lang="zh-TW" altLang="en-US" dirty="0"/>
+            </a:p>
+          </p:txBody>
+        </p:sp>
+      </p:grpSp>
+      <p:grpSp>
+        <p:nvGrpSpPr>
+          <p:cNvPr id="15" name="群組 14"/>
+          <p:cNvGrpSpPr/>
+          <p:nvPr/>
+        </p:nvGrpSpPr>
+        <p:grpSpPr>
+          <a:xfrm>
+            <a:off x="5331381" y="729787"/>
+            <a:ext cx="2750006" cy="5398426"/>
+            <a:chOff x="4638692" y="1183283"/>
+            <a:chExt cx="2271436" cy="4458964"/>
+          </a:xfrm>
+        </p:grpSpPr>
+        <p:pic>
+          <p:nvPicPr>
+            <p:cNvPr id="7" name="圖片 6"/>
+            <p:cNvPicPr>
+              <a:picLocks noChangeAspect="1"/>
+            </p:cNvPicPr>
+            <p:nvPr/>
+          </p:nvPicPr>
+          <p:blipFill>
+            <a:blip r:embed="rId3">
+              <a:extLst>
+                <a:ext uri="{28A0092B-C50C-407E-A947-70E740481C1C}">
+                  <a14:useLocalDpi xmlns:a14="http://schemas.microsoft.com/office/drawing/2010/main" val="0"/>
+                </a:ext>
+              </a:extLst>
+            </a:blip>
+            <a:stretch>
+              <a:fillRect/>
+            </a:stretch>
+          </p:blipFill>
+          <p:spPr>
+            <a:xfrm>
+              <a:off x="4746429" y="1313157"/>
+              <a:ext cx="2163699" cy="4329090"/>
+            </a:xfrm>
+            <a:prstGeom prst="rect">
+              <a:avLst/>
+            </a:prstGeom>
+          </p:spPr>
+        </p:pic>
+        <p:sp>
+          <p:nvSpPr>
+            <p:cNvPr id="9" name="橢圓 8"/>
+            <p:cNvSpPr/>
+            <p:nvPr/>
+          </p:nvSpPr>
+          <p:spPr>
+            <a:xfrm>
+              <a:off x="4638692" y="1183283"/>
+              <a:ext cx="519685" cy="519491"/>
+            </a:xfrm>
+            <a:prstGeom prst="ellipse">
+              <a:avLst/>
+            </a:prstGeom>
+            <a:noFill/>
+            <a:ln>
+              <a:solidFill>
+                <a:srgbClr val="FF0000"/>
+              </a:solidFill>
+            </a:ln>
+          </p:spPr>
+          <p:style>
+            <a:lnRef idx="1">
+              <a:schemeClr val="accent1"/>
+            </a:lnRef>
+            <a:fillRef idx="3">
+              <a:schemeClr val="accent1"/>
+            </a:fillRef>
+            <a:effectRef idx="2">
+              <a:schemeClr val="accent1"/>
+            </a:effectRef>
+            <a:fontRef idx="minor">
+              <a:schemeClr val="lt1"/>
+            </a:fontRef>
+          </p:style>
+          <p:txBody>
+            <a:bodyPr rtlCol="0" anchor="ctr"/>
+            <a:lstStyle/>
+            <a:p>
+              <a:pPr algn="ctr"/>
+              <a:endParaRPr kumimoji="1" lang="zh-TW" altLang="en-US" dirty="0"/>
+            </a:p>
+          </p:txBody>
+        </p:sp>
+      </p:grpSp>
+      <p:grpSp>
+        <p:nvGrpSpPr>
+          <p:cNvPr id="17" name="群組 16"/>
+          <p:cNvGrpSpPr/>
+          <p:nvPr/>
+        </p:nvGrpSpPr>
+        <p:grpSpPr>
+          <a:xfrm>
+            <a:off x="8668904" y="1082324"/>
+            <a:ext cx="2805735" cy="4550406"/>
+            <a:chOff x="8668904" y="1082324"/>
+            <a:chExt cx="2805735" cy="4550406"/>
+          </a:xfrm>
+        </p:grpSpPr>
+        <p:sp>
+          <p:nvSpPr>
+            <p:cNvPr id="10" name="矩形 9"/>
+            <p:cNvSpPr/>
+            <p:nvPr/>
+          </p:nvSpPr>
+          <p:spPr>
+            <a:xfrm>
+              <a:off x="8668905" y="2521632"/>
+              <a:ext cx="2805734" cy="923330"/>
+            </a:xfrm>
+            <a:prstGeom prst="rect">
+              <a:avLst/>
+            </a:prstGeom>
+          </p:spPr>
+          <p:txBody>
+            <a:bodyPr wrap="square">
+              <a:spAutoFit/>
+            </a:bodyPr>
+            <a:lstStyle/>
+            <a:p>
+              <a:r>
+                <a:rPr lang="zh-TW" altLang="en-US" dirty="0" smtClean="0">
+                  <a:solidFill>
+                    <a:srgbClr val="101010"/>
+                  </a:solidFill>
+                  <a:latin typeface="Microsoft JhengHei" charset="-120"/>
+                  <a:ea typeface="Microsoft JhengHei" charset="-120"/>
+                  <a:cs typeface="Microsoft JhengHei" charset="-120"/>
+                </a:rPr>
+                <a:t>原本</a:t>
+              </a:r>
+              <a:r>
+                <a:rPr lang="zh-TW" altLang="en-US" dirty="0" smtClean="0">
+                  <a:solidFill>
+                    <a:srgbClr val="101010"/>
+                  </a:solidFill>
+                  <a:latin typeface="Microsoft JhengHei" charset="-120"/>
+                  <a:ea typeface="Microsoft JhengHei" charset="-120"/>
+                  <a:cs typeface="Microsoft JhengHei" charset="-120"/>
+                </a:rPr>
+                <a:t>頁面</a:t>
+              </a:r>
+              <a:r>
+                <a:rPr lang="zh-TW" altLang="en-US" dirty="0" smtClean="0">
+                  <a:solidFill>
+                    <a:srgbClr val="101010"/>
+                  </a:solidFill>
+                  <a:latin typeface="Microsoft JhengHei" charset="-120"/>
+                  <a:ea typeface="Microsoft JhengHei" charset="-120"/>
+                  <a:cs typeface="Microsoft JhengHei" charset="-120"/>
+                </a:rPr>
+                <a:t>下方次要的聯結改為由左上角漢堡選單展開</a:t>
+              </a:r>
+              <a:r>
+                <a:rPr lang="zh-TW" altLang="en-US" dirty="0" smtClean="0">
+                  <a:solidFill>
+                    <a:srgbClr val="101010"/>
+                  </a:solidFill>
+                  <a:latin typeface="Microsoft JhengHei" charset="-120"/>
+                  <a:ea typeface="Microsoft JhengHei" charset="-120"/>
+                  <a:cs typeface="Microsoft JhengHei" charset="-120"/>
+                </a:rPr>
+                <a:t>。</a:t>
+              </a:r>
+              <a:endParaRPr lang="zh-TW" altLang="en-US" dirty="0">
+                <a:solidFill>
+                  <a:srgbClr val="101010"/>
+                </a:solidFill>
+                <a:latin typeface="Microsoft JhengHei" charset="-120"/>
+                <a:ea typeface="Microsoft JhengHei" charset="-120"/>
+                <a:cs typeface="Microsoft JhengHei" charset="-120"/>
+              </a:endParaRPr>
+            </a:p>
+          </p:txBody>
+        </p:sp>
+        <p:sp>
+          <p:nvSpPr>
+            <p:cNvPr id="11" name="矩形 10"/>
+            <p:cNvSpPr/>
+            <p:nvPr/>
+          </p:nvSpPr>
+          <p:spPr>
+            <a:xfrm>
+              <a:off x="8668904" y="1082324"/>
+              <a:ext cx="2465038" cy="461665"/>
+            </a:xfrm>
+            <a:prstGeom prst="rect">
+              <a:avLst/>
+            </a:prstGeom>
+          </p:spPr>
+          <p:txBody>
+            <a:bodyPr wrap="none">
+              <a:spAutoFit/>
+            </a:bodyPr>
+            <a:lstStyle/>
+            <a:p>
+              <a:r>
+                <a:rPr lang="en-US" altLang="zh-TW" sz="2400" dirty="0" smtClean="0">
+                  <a:solidFill>
+                    <a:srgbClr val="101010"/>
+                  </a:solidFill>
+                  <a:latin typeface="Microsoft JhengHei" charset="-120"/>
+                  <a:ea typeface="Microsoft JhengHei" charset="-120"/>
+                  <a:cs typeface="Microsoft JhengHei" charset="-120"/>
+                </a:rPr>
+                <a:t>0</a:t>
+              </a:r>
+              <a:r>
+                <a:rPr lang="zh-TW" altLang="zh-TW" sz="2400" dirty="0">
+                  <a:solidFill>
+                    <a:srgbClr val="101010"/>
+                  </a:solidFill>
+                  <a:latin typeface="Microsoft JhengHei" charset="-120"/>
+                  <a:ea typeface="Microsoft JhengHei" charset="-120"/>
+                  <a:cs typeface="Microsoft JhengHei" charset="-120"/>
+                </a:rPr>
+                <a:t>3</a:t>
+              </a:r>
+              <a:r>
+                <a:rPr lang="zh-TW" altLang="en-US" sz="2400" dirty="0" smtClean="0">
+                  <a:solidFill>
+                    <a:srgbClr val="101010"/>
+                  </a:solidFill>
+                  <a:latin typeface="Microsoft JhengHei" charset="-120"/>
+                  <a:ea typeface="Microsoft JhengHei" charset="-120"/>
+                  <a:cs typeface="Microsoft JhengHei" charset="-120"/>
+                </a:rPr>
+                <a:t> </a:t>
+              </a:r>
+              <a:r>
+                <a:rPr lang="zh-TW" altLang="en-US" sz="2400" dirty="0" smtClean="0">
+                  <a:solidFill>
+                    <a:srgbClr val="101010"/>
+                  </a:solidFill>
+                  <a:latin typeface="Microsoft JhengHei" charset="-120"/>
+                  <a:ea typeface="Microsoft JhengHei" charset="-120"/>
+                  <a:cs typeface="Microsoft JhengHei" charset="-120"/>
+                </a:rPr>
+                <a:t>移除次要資訊</a:t>
+              </a:r>
+              <a:endParaRPr lang="zh-TW" altLang="en-US" sz="2400" dirty="0" smtClean="0">
+                <a:solidFill>
+                  <a:srgbClr val="101010"/>
+                </a:solidFill>
+                <a:latin typeface="Microsoft JhengHei" charset="-120"/>
+                <a:ea typeface="Microsoft JhengHei" charset="-120"/>
+                <a:cs typeface="Microsoft JhengHei" charset="-120"/>
+              </a:endParaRPr>
+            </a:p>
+          </p:txBody>
+        </p:sp>
+        <p:sp>
+          <p:nvSpPr>
+            <p:cNvPr id="12" name="矩形 11"/>
+            <p:cNvSpPr/>
+            <p:nvPr/>
+          </p:nvSpPr>
+          <p:spPr>
+            <a:xfrm>
+              <a:off x="8668904" y="1959419"/>
+              <a:ext cx="986167" cy="400110"/>
+            </a:xfrm>
+            <a:prstGeom prst="rect">
+              <a:avLst/>
+            </a:prstGeom>
+          </p:spPr>
+          <p:txBody>
+            <a:bodyPr wrap="none">
+              <a:spAutoFit/>
+            </a:bodyPr>
+            <a:lstStyle/>
+            <a:p>
+              <a:pPr marL="285750" indent="-285750">
+                <a:buFont typeface="Arial" charset="0"/>
+                <a:buChar char="•"/>
+              </a:pPr>
+              <a:r>
+                <a:rPr lang="zh-TW" altLang="en-US" sz="2000" dirty="0" smtClean="0">
+                  <a:solidFill>
+                    <a:srgbClr val="101010"/>
+                  </a:solidFill>
+                  <a:latin typeface="Microsoft JhengHei" charset="-120"/>
+                  <a:ea typeface="Microsoft JhengHei" charset="-120"/>
+                  <a:cs typeface="Microsoft JhengHei" charset="-120"/>
+                </a:rPr>
+                <a:t>設計</a:t>
+              </a:r>
+              <a:endParaRPr lang="zh-TW" altLang="en-US" sz="2000" dirty="0">
+                <a:solidFill>
+                  <a:srgbClr val="101010"/>
+                </a:solidFill>
+                <a:latin typeface="Microsoft JhengHei" charset="-120"/>
+                <a:ea typeface="Microsoft JhengHei" charset="-120"/>
+                <a:cs typeface="Microsoft JhengHei" charset="-120"/>
+              </a:endParaRPr>
+            </a:p>
+          </p:txBody>
+        </p:sp>
+        <p:sp>
+          <p:nvSpPr>
+            <p:cNvPr id="13" name="矩形 12"/>
+            <p:cNvSpPr/>
+            <p:nvPr/>
+          </p:nvSpPr>
+          <p:spPr>
+            <a:xfrm>
+              <a:off x="8668905" y="4432401"/>
+              <a:ext cx="2805734" cy="1200329"/>
+            </a:xfrm>
+            <a:prstGeom prst="rect">
+              <a:avLst/>
+            </a:prstGeom>
+          </p:spPr>
+          <p:txBody>
+            <a:bodyPr wrap="square">
+              <a:spAutoFit/>
+            </a:bodyPr>
+            <a:lstStyle/>
+            <a:p>
+              <a:r>
+                <a:rPr lang="zh-TW" altLang="en-US" dirty="0" smtClean="0">
+                  <a:solidFill>
+                    <a:srgbClr val="101010"/>
+                  </a:solidFill>
+                  <a:latin typeface="Microsoft JhengHei" charset="-120"/>
+                  <a:ea typeface="Microsoft JhengHei" charset="-120"/>
+                  <a:cs typeface="Microsoft JhengHei" charset="-120"/>
+                </a:rPr>
+                <a:t>將細節藏起來，防止大量資訊同時出現在螢幕上，可能造成的失焦或畫面過於擁擠的狀況。</a:t>
+              </a:r>
+              <a:endParaRPr lang="en-US" altLang="zh-TW" dirty="0" smtClean="0">
+                <a:solidFill>
+                  <a:srgbClr val="101010"/>
+                </a:solidFill>
+                <a:latin typeface="Microsoft JhengHei" charset="-120"/>
+                <a:ea typeface="Microsoft JhengHei" charset="-120"/>
+                <a:cs typeface="Microsoft JhengHei" charset="-120"/>
+              </a:endParaRPr>
+            </a:p>
+          </p:txBody>
+        </p:sp>
+        <p:sp>
+          <p:nvSpPr>
+            <p:cNvPr id="14" name="矩形 13"/>
+            <p:cNvSpPr/>
+            <p:nvPr/>
+          </p:nvSpPr>
+          <p:spPr>
+            <a:xfrm>
+              <a:off x="8668904" y="3870188"/>
+              <a:ext cx="986167" cy="400110"/>
+            </a:xfrm>
+            <a:prstGeom prst="rect">
+              <a:avLst/>
+            </a:prstGeom>
+          </p:spPr>
+          <p:txBody>
+            <a:bodyPr wrap="none">
+              <a:spAutoFit/>
+            </a:bodyPr>
+            <a:lstStyle/>
+            <a:p>
+              <a:pPr marL="285750" indent="-285750">
+                <a:buFont typeface="Arial" charset="0"/>
+                <a:buChar char="•"/>
+              </a:pPr>
+              <a:r>
+                <a:rPr lang="zh-TW" altLang="en-US" sz="2000" dirty="0" smtClean="0">
+                  <a:solidFill>
+                    <a:srgbClr val="101010"/>
+                  </a:solidFill>
+                  <a:latin typeface="Microsoft JhengHei" charset="-120"/>
+                  <a:ea typeface="Microsoft JhengHei" charset="-120"/>
+                  <a:cs typeface="Microsoft JhengHei" charset="-120"/>
+                </a:rPr>
+                <a:t>目的</a:t>
+              </a:r>
+              <a:endParaRPr lang="zh-TW" altLang="en-US" sz="2000" dirty="0">
+                <a:solidFill>
+                  <a:srgbClr val="101010"/>
+                </a:solidFill>
+                <a:latin typeface="Microsoft JhengHei" charset="-120"/>
+                <a:ea typeface="Microsoft JhengHei" charset="-120"/>
+                <a:cs typeface="Microsoft JhengHei" charset="-120"/>
+              </a:endParaRPr>
+            </a:p>
+          </p:txBody>
+        </p:sp>
+      </p:grpSp>
+    </p:spTree>
+    <p:extLst>
+      <p:ext uri="{BB962C8B-B14F-4D97-AF65-F5344CB8AC3E}">
+        <p14:creationId xmlns:p14="http://schemas.microsoft.com/office/powerpoint/2010/main" val="763847069"/>
+      </p:ext>
+    </p:extLst>
+  </p:cSld>
+  <p:clrMapOvr>
+    <a:masterClrMapping/>
+  </p:clrMapOvr>
+  <p:timing>
+    <p:tnLst>
+      <p:par>
+        <p:cTn xmlns:p14="http://schemas.microsoft.com/office/powerpoint/2010/main" id="1" dur="indefinite" restart="never" nodeType="tmRoot"/>
+      </p:par>
+    </p:tnLst>
   </p:timing>
 </p:sld>
 </file>
